--- a/Java_English.pptx
+++ b/Java_English.pptx
@@ -159,7 +159,7 @@
           <p:cNvPr id="2" name="Marcador de encabezado 1">
             <a:extLst>
               <a:ext uri="{FF2B5EF4-FFF2-40B4-BE49-F238E27FC236}">
-                <a16:creationId xmlns:a16="http://schemas.microsoft.com/office/drawing/2014/main" id="{6A13C77B-70EC-427E-91BC-F24E456C4485}"/>
+                <a16:creationId xmlns="" xmlns:a16="http://schemas.microsoft.com/office/drawing/2014/main" id="{6A13C77B-70EC-427E-91BC-F24E456C4485}"/>
               </a:ext>
             </a:extLst>
           </p:cNvPr>
@@ -196,7 +196,7 @@
           <p:cNvPr id="3" name="Marcador de fecha 2">
             <a:extLst>
               <a:ext uri="{FF2B5EF4-FFF2-40B4-BE49-F238E27FC236}">
-                <a16:creationId xmlns:a16="http://schemas.microsoft.com/office/drawing/2014/main" id="{ECF03710-4D21-4187-AF6A-CD406EC8A5DC}"/>
+                <a16:creationId xmlns="" xmlns:a16="http://schemas.microsoft.com/office/drawing/2014/main" id="{ECF03710-4D21-4187-AF6A-CD406EC8A5DC}"/>
               </a:ext>
             </a:extLst>
           </p:cNvPr>
@@ -226,7 +226,7 @@
           <a:p>
             <a:fld id="{38842C34-3ADE-4FD4-9C00-531CE095E69B}" type="datetimeFigureOut">
               <a:rPr lang="es-ES" smtClean="0"/>
-              <a:t>23/11/2023</a:t>
+              <a:t>25/11/2023</a:t>
             </a:fld>
             <a:endParaRPr lang="es-ES"/>
           </a:p>
@@ -237,7 +237,7 @@
           <p:cNvPr id="4" name="Marcador de pie de página 3">
             <a:extLst>
               <a:ext uri="{FF2B5EF4-FFF2-40B4-BE49-F238E27FC236}">
-                <a16:creationId xmlns:a16="http://schemas.microsoft.com/office/drawing/2014/main" id="{812E1D92-BF6C-48F2-B7D3-811E8193907E}"/>
+                <a16:creationId xmlns="" xmlns:a16="http://schemas.microsoft.com/office/drawing/2014/main" id="{812E1D92-BF6C-48F2-B7D3-811E8193907E}"/>
               </a:ext>
             </a:extLst>
           </p:cNvPr>
@@ -274,7 +274,7 @@
           <p:cNvPr id="5" name="Marcador de número de diapositiva 4">
             <a:extLst>
               <a:ext uri="{FF2B5EF4-FFF2-40B4-BE49-F238E27FC236}">
-                <a16:creationId xmlns:a16="http://schemas.microsoft.com/office/drawing/2014/main" id="{E663B743-1197-4765-A3A6-7FD28E7E0383}"/>
+                <a16:creationId xmlns="" xmlns:a16="http://schemas.microsoft.com/office/drawing/2014/main" id="{E663B743-1197-4765-A3A6-7FD28E7E0383}"/>
               </a:ext>
             </a:extLst>
           </p:cNvPr>
@@ -404,7 +404,7 @@
           <a:p>
             <a:fld id="{53B32EAB-D150-4754-B6B6-D45B2A209BBC}" type="datetimeFigureOut">
               <a:rPr lang="es-ES" noProof="0" smtClean="0"/>
-              <a:t>23/11/2023</a:t>
+              <a:t>25/11/2023</a:t>
             </a:fld>
             <a:endParaRPr lang="es-ES" noProof="0"/>
           </a:p>
@@ -5033,7 +5033,7 @@
             <a:pPr rtl="0"/>
             <a:fld id="{53679892-51BE-4C79-9032-7473C572FBCD}" type="datetime1">
               <a:rPr lang="es-ES" noProof="0" smtClean="0"/>
-              <a:t>23/11/2023</a:t>
+              <a:t>25/11/2023</a:t>
             </a:fld>
             <a:endParaRPr lang="es-ES" noProof="0"/>
           </a:p>
@@ -5297,7 +5297,7 @@
             <a:pPr rtl="0"/>
             <a:fld id="{18425EA1-F648-4049-AD9A-F25DAA183EE8}" type="datetime1">
               <a:rPr lang="es-ES" noProof="0" smtClean="0"/>
-              <a:t>23/11/2023</a:t>
+              <a:t>25/11/2023</a:t>
             </a:fld>
             <a:endParaRPr lang="es-ES" noProof="0"/>
           </a:p>
@@ -5491,7 +5491,7 @@
             <a:pPr rtl="0"/>
             <a:fld id="{E944F516-20E2-4381-9952-C3E5172FC12A}" type="datetime1">
               <a:rPr lang="es-ES" noProof="0" smtClean="0"/>
-              <a:t>23/11/2023</a:t>
+              <a:t>25/11/2023</a:t>
             </a:fld>
             <a:endParaRPr lang="es-ES" noProof="0"/>
           </a:p>
@@ -5752,7 +5752,7 @@
             <a:pPr rtl="0"/>
             <a:fld id="{B8FDBEC5-D859-4363-9A3D-D04ACDBBDBC8}" type="datetime1">
               <a:rPr lang="es-ES" noProof="0" smtClean="0"/>
-              <a:t>23/11/2023</a:t>
+              <a:t>25/11/2023</a:t>
             </a:fld>
             <a:endParaRPr lang="es-ES" noProof="0"/>
           </a:p>
@@ -6184,7 +6184,7 @@
             <a:pPr rtl="0"/>
             <a:fld id="{10193AE0-C308-4E6C-A5C9-9E4366659949}" type="datetime1">
               <a:rPr lang="es-ES" noProof="0" smtClean="0"/>
-              <a:t>23/11/2023</a:t>
+              <a:t>25/11/2023</a:t>
             </a:fld>
             <a:endParaRPr lang="es-ES" noProof="0"/>
           </a:p>
@@ -6728,7 +6728,7 @@
             <a:pPr rtl="0"/>
             <a:fld id="{D976A01D-C322-4A99-A9B8-CB9EAAF3F796}" type="datetime1">
               <a:rPr lang="es-ES" noProof="0" smtClean="0"/>
-              <a:t>23/11/2023</a:t>
+              <a:t>25/11/2023</a:t>
             </a:fld>
             <a:endParaRPr lang="es-ES" noProof="0"/>
           </a:p>
@@ -7443,7 +7443,7 @@
             <a:pPr rtl="0"/>
             <a:fld id="{A15ADA64-BBA0-4B2E-B92A-F51B837322EC}" type="datetime1">
               <a:rPr lang="es-ES" noProof="0" smtClean="0"/>
-              <a:t>23/11/2023</a:t>
+              <a:t>25/11/2023</a:t>
             </a:fld>
             <a:endParaRPr lang="es-ES" noProof="0"/>
           </a:p>
@@ -7610,7 +7610,7 @@
             <a:pPr rtl="0"/>
             <a:fld id="{818752D6-1556-45C7-86E8-B146907A0AF6}" type="datetime1">
               <a:rPr lang="es-ES" noProof="0" smtClean="0"/>
-              <a:t>23/11/2023</a:t>
+              <a:t>25/11/2023</a:t>
             </a:fld>
             <a:endParaRPr lang="es-ES" noProof="0"/>
           </a:p>
@@ -7787,7 +7787,7 @@
             <a:pPr rtl="0"/>
             <a:fld id="{1B8F7CEA-13C7-4FEA-8C1A-0A5383197599}" type="datetime1">
               <a:rPr lang="es-ES" noProof="0" smtClean="0"/>
-              <a:t>23/11/2023</a:t>
+              <a:t>25/11/2023</a:t>
             </a:fld>
             <a:endParaRPr lang="es-ES" noProof="0"/>
           </a:p>
@@ -7954,7 +7954,7 @@
             <a:pPr rtl="0"/>
             <a:fld id="{AF097B57-B72F-420B-A8B3-006069A971F8}" type="datetime1">
               <a:rPr lang="es-ES" noProof="0" smtClean="0"/>
-              <a:t>23/11/2023</a:t>
+              <a:t>25/11/2023</a:t>
             </a:fld>
             <a:endParaRPr lang="es-ES" noProof="0"/>
           </a:p>
@@ -8202,7 +8202,7 @@
             <a:pPr rtl="0"/>
             <a:fld id="{E9B8A8E5-B735-43D5-B8A8-F9364991DBAE}" type="datetime1">
               <a:rPr lang="es-ES" noProof="0" smtClean="0"/>
-              <a:t>23/11/2023</a:t>
+              <a:t>25/11/2023</a:t>
             </a:fld>
             <a:endParaRPr lang="es-ES" noProof="0"/>
           </a:p>
@@ -8430,7 +8430,7 @@
             <a:pPr rtl="0"/>
             <a:fld id="{89C64DD1-C385-4F10-9CD2-DD93C702F068}" type="datetime1">
               <a:rPr lang="es-ES" noProof="0" smtClean="0"/>
-              <a:t>23/11/2023</a:t>
+              <a:t>25/11/2023</a:t>
             </a:fld>
             <a:endParaRPr lang="es-ES" noProof="0"/>
           </a:p>
@@ -8807,7 +8807,7 @@
             <a:pPr rtl="0"/>
             <a:fld id="{B51227E5-EAF8-4A16-84BD-E3150A48D32B}" type="datetime1">
               <a:rPr lang="es-ES" noProof="0" smtClean="0"/>
-              <a:t>23/11/2023</a:t>
+              <a:t>25/11/2023</a:t>
             </a:fld>
             <a:endParaRPr lang="es-ES" noProof="0"/>
           </a:p>
@@ -8923,7 +8923,7 @@
             <a:pPr rtl="0"/>
             <a:fld id="{5D4A2405-EADC-49A9-A212-B14F59A595D1}" type="datetime1">
               <a:rPr lang="es-ES" noProof="0" smtClean="0"/>
-              <a:t>23/11/2023</a:t>
+              <a:t>25/11/2023</a:t>
             </a:fld>
             <a:endParaRPr lang="es-ES" noProof="0"/>
           </a:p>
@@ -9016,7 +9016,7 @@
             <a:pPr rtl="0"/>
             <a:fld id="{4923801C-93E6-4BBB-A3C6-DF8FA5AF99A7}" type="datetime1">
               <a:rPr lang="es-ES" noProof="0" smtClean="0"/>
-              <a:t>23/11/2023</a:t>
+              <a:t>25/11/2023</a:t>
             </a:fld>
             <a:endParaRPr lang="es-ES" noProof="0"/>
           </a:p>
@@ -9262,7 +9262,7 @@
             <a:pPr rtl="0"/>
             <a:fld id="{AFBA167B-534C-4C9B-B1D3-207F6508C18C}" type="datetime1">
               <a:rPr lang="es-ES" noProof="0" smtClean="0"/>
-              <a:t>23/11/2023</a:t>
+              <a:t>25/11/2023</a:t>
             </a:fld>
             <a:endParaRPr lang="es-ES" noProof="0"/>
           </a:p>
@@ -9540,7 +9540,7 @@
             <a:pPr rtl="0"/>
             <a:fld id="{8609DEB8-87A0-494F-8121-A23D0AA457E9}" type="datetime1">
               <a:rPr lang="es-ES" noProof="0" smtClean="0"/>
-              <a:t>23/11/2023</a:t>
+              <a:t>25/11/2023</a:t>
             </a:fld>
             <a:endParaRPr lang="es-ES" noProof="0"/>
           </a:p>
@@ -12615,7 +12615,7 @@
             <a:pPr rtl="0"/>
             <a:fld id="{69434DCA-7D87-482A-B826-DA8947791FB1}" type="datetime1">
               <a:rPr lang="es-ES" noProof="0" smtClean="0"/>
-              <a:t>23/11/2023</a:t>
+              <a:t>25/11/2023</a:t>
             </a:fld>
             <a:endParaRPr lang="es-ES" noProof="0"/>
           </a:p>
@@ -13145,7 +13145,7 @@
           <p:cNvPr id="2" name="Título 1">
             <a:extLst>
               <a:ext uri="{FF2B5EF4-FFF2-40B4-BE49-F238E27FC236}">
-                <a16:creationId xmlns:a16="http://schemas.microsoft.com/office/drawing/2014/main" id="{15D7F636-FF34-D8C8-CE64-B73F810ADA11}"/>
+                <a16:creationId xmlns="" xmlns:a16="http://schemas.microsoft.com/office/drawing/2014/main" id="{15D7F636-FF34-D8C8-CE64-B73F810ADA11}"/>
               </a:ext>
             </a:extLst>
           </p:cNvPr>
@@ -13185,7 +13185,7 @@
           <p:cNvPr id="3" name="Marcador de contenido 2">
             <a:extLst>
               <a:ext uri="{FF2B5EF4-FFF2-40B4-BE49-F238E27FC236}">
-                <a16:creationId xmlns:a16="http://schemas.microsoft.com/office/drawing/2014/main" id="{DF3ED317-2E7B-F525-4FDA-C4CBD9486AD9}"/>
+                <a16:creationId xmlns="" xmlns:a16="http://schemas.microsoft.com/office/drawing/2014/main" id="{DF3ED317-2E7B-F525-4FDA-C4CBD9486AD9}"/>
               </a:ext>
             </a:extLst>
           </p:cNvPr>
@@ -13973,7 +13973,7 @@
           <p:cNvPr id="2" name="Título 1">
             <a:extLst>
               <a:ext uri="{FF2B5EF4-FFF2-40B4-BE49-F238E27FC236}">
-                <a16:creationId xmlns:a16="http://schemas.microsoft.com/office/drawing/2014/main" id="{15D7F636-FF34-D8C8-CE64-B73F810ADA11}"/>
+                <a16:creationId xmlns="" xmlns:a16="http://schemas.microsoft.com/office/drawing/2014/main" id="{15D7F636-FF34-D8C8-CE64-B73F810ADA11}"/>
               </a:ext>
             </a:extLst>
           </p:cNvPr>
@@ -14013,7 +14013,7 @@
           <p:cNvPr id="3" name="Marcador de contenido 2">
             <a:extLst>
               <a:ext uri="{FF2B5EF4-FFF2-40B4-BE49-F238E27FC236}">
-                <a16:creationId xmlns:a16="http://schemas.microsoft.com/office/drawing/2014/main" id="{DF3ED317-2E7B-F525-4FDA-C4CBD9486AD9}"/>
+                <a16:creationId xmlns="" xmlns:a16="http://schemas.microsoft.com/office/drawing/2014/main" id="{DF3ED317-2E7B-F525-4FDA-C4CBD9486AD9}"/>
               </a:ext>
             </a:extLst>
           </p:cNvPr>
@@ -14697,7 +14697,7 @@
           <p:cNvPr id="3" name="Marcador de contenido 2">
             <a:extLst>
               <a:ext uri="{FF2B5EF4-FFF2-40B4-BE49-F238E27FC236}">
-                <a16:creationId xmlns:a16="http://schemas.microsoft.com/office/drawing/2014/main" id="{DF3ED317-2E7B-F525-4FDA-C4CBD9486AD9}"/>
+                <a16:creationId xmlns="" xmlns:a16="http://schemas.microsoft.com/office/drawing/2014/main" id="{DF3ED317-2E7B-F525-4FDA-C4CBD9486AD9}"/>
               </a:ext>
             </a:extLst>
           </p:cNvPr>
@@ -15298,7 +15298,7 @@
           <p:cNvPr id="5" name="Título 1">
             <a:extLst>
               <a:ext uri="{FF2B5EF4-FFF2-40B4-BE49-F238E27FC236}">
-                <a16:creationId xmlns:a16="http://schemas.microsoft.com/office/drawing/2014/main" id="{932C6238-43FB-6DA6-5EFB-7F8CCD9C16B0}"/>
+                <a16:creationId xmlns="" xmlns:a16="http://schemas.microsoft.com/office/drawing/2014/main" id="{932C6238-43FB-6DA6-5EFB-7F8CCD9C16B0}"/>
               </a:ext>
             </a:extLst>
           </p:cNvPr>
